--- a/Cinema Ticketing System[1301].pptx
+++ b/Cinema Ticketing System[1301].pptx
@@ -5699,7 +5699,7 @@
           <a:p>
             <a:r>
               <a:rPr lang="en-GB" dirty="0"/>
-              <a:t>BM Cinema Ticketing System</a:t>
+              <a:t>Cinema Ticketing System</a:t>
             </a:r>
           </a:p>
         </p:txBody>
@@ -5925,7 +5925,7 @@
           <a:p>
             <a:r>
               <a:rPr lang="en-GB" dirty="0"/>
-              <a:t>BM What we were asked to deliver</a:t>
+              <a:t>What we were asked to deliver</a:t>
             </a:r>
           </a:p>
         </p:txBody>
@@ -5951,31 +5951,44 @@
           <a:bodyPr/>
           <a:lstStyle/>
           <a:p>
+            <a:pPr>
+              <a:buFontTx/>
+              <a:buChar char="-"/>
+            </a:pPr>
             <a:r>
               <a:rPr lang="en-GB" dirty="0"/>
-              <a:t>Choose a screen</a:t>
-            </a:r>
-          </a:p>
-          <a:p>
+              <a:t>A till system to allow staff to process bookings for a cinema.</a:t>
+            </a:r>
+          </a:p>
+          <a:p>
+            <a:pPr>
+              <a:buFontTx/>
+              <a:buChar char="-"/>
+            </a:pPr>
             <a:r>
               <a:rPr lang="en-GB" dirty="0"/>
-              <a:t>Data analysis</a:t>
-            </a:r>
-          </a:p>
-          <a:p>
+              <a:t>This would need a months worth of date to demonstrate the application.</a:t>
+            </a:r>
+          </a:p>
+          <a:p>
+            <a:pPr>
+              <a:buFontTx/>
+              <a:buChar char="-"/>
+            </a:pPr>
             <a:r>
               <a:rPr lang="en-GB" dirty="0"/>
-              <a:t>Easily configurable</a:t>
-            </a:r>
-          </a:p>
-          <a:p>
+              <a:t>They must have the option to select different types of tickets</a:t>
+            </a:r>
+          </a:p>
+          <a:p>
+            <a:pPr>
+              <a:buFontTx/>
+              <a:buChar char="-"/>
+            </a:pPr>
             <a:r>
               <a:rPr lang="en-GB" dirty="0"/>
-              <a:t>Record sales</a:t>
-            </a:r>
-          </a:p>
-          <a:p>
-            <a:endParaRPr lang="en-GB" dirty="0"/>
+              <a:t>The data must persist and analysis must be performed for a user to view.</a:t>
+            </a:r>
           </a:p>
         </p:txBody>
       </p:sp>
@@ -6645,7 +6658,7 @@
           <a:p>
             <a:r>
               <a:rPr lang="en-GB" dirty="0"/>
-              <a:t>BM Data Analysis</a:t>
+              <a:t>Data Analysis</a:t>
             </a:r>
           </a:p>
         </p:txBody>
@@ -6671,7 +6684,22 @@
           <a:bodyPr/>
           <a:lstStyle/>
           <a:p>
-            <a:endParaRPr lang="en-GB" dirty="0"/>
+            <a:r>
+              <a:rPr lang="en-GB" dirty="0"/>
+              <a:t>We have to screens to view data.</a:t>
+            </a:r>
+          </a:p>
+          <a:p>
+            <a:r>
+              <a:rPr lang="en-GB" dirty="0"/>
+              <a:t>One with visual charts (show charts and explain each one)</a:t>
+            </a:r>
+          </a:p>
+          <a:p>
+            <a:r>
+              <a:rPr lang="en-GB" dirty="0"/>
+              <a:t>One with Table view (show and explain)</a:t>
+            </a:r>
           </a:p>
         </p:txBody>
       </p:sp>
@@ -6733,7 +6761,7 @@
           <a:p>
             <a:r>
               <a:rPr lang="en-GB" dirty="0"/>
-              <a:t>BM Adaptability</a:t>
+              <a:t>Adaptability</a:t>
             </a:r>
           </a:p>
         </p:txBody>
@@ -6759,7 +6787,22 @@
           <a:bodyPr/>
           <a:lstStyle/>
           <a:p>
-            <a:endParaRPr lang="en-GB" dirty="0"/>
+            <a:r>
+              <a:rPr lang="en-GB" dirty="0"/>
+              <a:t>Modular design allows for easy extras to be developed.</a:t>
+            </a:r>
+          </a:p>
+          <a:p>
+            <a:r>
+              <a:rPr lang="en-GB" dirty="0"/>
+              <a:t>Database structure in place to allow many more screens if the cinema grows.</a:t>
+            </a:r>
+          </a:p>
+          <a:p>
+            <a:r>
+              <a:rPr lang="en-GB" dirty="0"/>
+              <a:t>The UI is flexible in order to allow any visual changes that are </a:t>
+            </a:r>
           </a:p>
         </p:txBody>
       </p:sp>
